--- a/presentazione.pptx
+++ b/presentazione.pptx
@@ -7,8 +7,8 @@
   <p:sldIdLst>
     <p:sldId id="262" r:id="rId2"/>
     <p:sldId id="261" r:id="rId3"/>
-    <p:sldId id="263" r:id="rId4"/>
-    <p:sldId id="264" r:id="rId5"/>
+    <p:sldId id="264" r:id="rId4"/>
+    <p:sldId id="263" r:id="rId5"/>
     <p:sldId id="265" r:id="rId6"/>
   </p:sldIdLst>
   <p:sldSz cx="12192000" cy="6858000"/>
@@ -119,7 +119,7 @@
 <file path=ppt/revisionInfo.xml><?xml version="1.0" encoding="utf-8"?>
 <p1510:revInfo xmlns:a="http://schemas.openxmlformats.org/drawingml/2006/main" xmlns:r="http://schemas.openxmlformats.org/officeDocument/2006/relationships" xmlns:p1510="http://schemas.microsoft.com/office/powerpoint/2015/10/main">
   <p1510:revLst>
-    <p1510:client id="{0B92D498-0069-4883-97A4-7DF57722C0D1}" v="37" dt="2021-05-24T08:50:04.155"/>
+    <p1510:client id="{0B92D498-0069-4883-97A4-7DF57722C0D1}" v="40" dt="2021-05-24T09:21:38.111"/>
   </p1510:revLst>
 </p1510:revInfo>
 </file>
@@ -129,7 +129,7 @@
   <pc:docChgLst>
     <pc:chgData name="Adelaide Lunardi" userId="4fb9f0523ff73e63" providerId="LiveId" clId="{0B92D498-0069-4883-97A4-7DF57722C0D1}"/>
     <pc:docChg chg="undo custSel addSld delSld modSld sldOrd">
-      <pc:chgData name="Adelaide Lunardi" userId="4fb9f0523ff73e63" providerId="LiveId" clId="{0B92D498-0069-4883-97A4-7DF57722C0D1}" dt="2021-05-24T08:56:51.490" v="3066" actId="1076"/>
+      <pc:chgData name="Adelaide Lunardi" userId="4fb9f0523ff73e63" providerId="LiveId" clId="{0B92D498-0069-4883-97A4-7DF57722C0D1}" dt="2021-05-24T09:22:01.726" v="3072" actId="20577"/>
       <pc:docMkLst>
         <pc:docMk/>
       </pc:docMkLst>
@@ -241,7 +241,7 @@
         </pc:spChg>
       </pc:sldChg>
       <pc:sldChg chg="addSp delSp modSp new mod setBg setClrOvrMap">
-        <pc:chgData name="Adelaide Lunardi" userId="4fb9f0523ff73e63" providerId="LiveId" clId="{0B92D498-0069-4883-97A4-7DF57722C0D1}" dt="2021-05-24T08:51:30.491" v="2980" actId="1076"/>
+        <pc:chgData name="Adelaide Lunardi" userId="4fb9f0523ff73e63" providerId="LiveId" clId="{0B92D498-0069-4883-97A4-7DF57722C0D1}" dt="2021-05-24T09:21:38.096" v="3071" actId="20578"/>
         <pc:sldMkLst>
           <pc:docMk/>
           <pc:sldMk cId="2395990369" sldId="261"/>
@@ -255,7 +255,7 @@
           </ac:spMkLst>
         </pc:spChg>
         <pc:spChg chg="add del mod">
-          <ac:chgData name="Adelaide Lunardi" userId="4fb9f0523ff73e63" providerId="LiveId" clId="{0B92D498-0069-4883-97A4-7DF57722C0D1}" dt="2021-05-24T08:51:30.491" v="2980" actId="1076"/>
+          <ac:chgData name="Adelaide Lunardi" userId="4fb9f0523ff73e63" providerId="LiveId" clId="{0B92D498-0069-4883-97A4-7DF57722C0D1}" dt="2021-05-24T09:21:38.096" v="3071" actId="20578"/>
           <ac:spMkLst>
             <pc:docMk/>
             <pc:sldMk cId="2395990369" sldId="261"/>
@@ -2721,8 +2721,8 @@
           <pc:sldMk cId="517820026" sldId="264"/>
         </pc:sldMkLst>
       </pc:sldChg>
-      <pc:sldChg chg="addSp delSp modSp new mod setBg setClrOvrMap">
-        <pc:chgData name="Adelaide Lunardi" userId="4fb9f0523ff73e63" providerId="LiveId" clId="{0B92D498-0069-4883-97A4-7DF57722C0D1}" dt="2021-05-24T08:56:21.459" v="3062" actId="27636"/>
+      <pc:sldChg chg="addSp delSp modSp new mod ord setBg setClrOvrMap">
+        <pc:chgData name="Adelaide Lunardi" userId="4fb9f0523ff73e63" providerId="LiveId" clId="{0B92D498-0069-4883-97A4-7DF57722C0D1}" dt="2021-05-24T09:22:01.726" v="3072" actId="20577"/>
         <pc:sldMkLst>
           <pc:docMk/>
           <pc:sldMk cId="3713123714" sldId="264"/>
@@ -2736,7 +2736,7 @@
           </ac:spMkLst>
         </pc:spChg>
         <pc:spChg chg="mod">
-          <ac:chgData name="Adelaide Lunardi" userId="4fb9f0523ff73e63" providerId="LiveId" clId="{0B92D498-0069-4883-97A4-7DF57722C0D1}" dt="2021-05-24T08:56:21.459" v="3062" actId="27636"/>
+          <ac:chgData name="Adelaide Lunardi" userId="4fb9f0523ff73e63" providerId="LiveId" clId="{0B92D498-0069-4883-97A4-7DF57722C0D1}" dt="2021-05-24T09:22:01.726" v="3072" actId="20577"/>
           <ac:spMkLst>
             <pc:docMk/>
             <pc:sldMk cId="3713123714" sldId="264"/>
@@ -12767,68 +12767,6 @@
                   </a:outerShdw>
                 </a:effectLst>
               </a:rPr>
-              <a:t>Tabella con i metadati </a:t>
-            </a:r>
-            <a:r>
-              <a:rPr lang="it-IT" sz="2200" dirty="0">
-                <a:solidFill>
-                  <a:schemeClr val="tx1">
-                    <a:lumMod val="85000"/>
-                    <a:lumOff val="15000"/>
-                  </a:schemeClr>
-                </a:solidFill>
-              </a:rPr>
-              <a:t>relativi alla Divina Commedia </a:t>
-            </a:r>
-          </a:p>
-          <a:p>
-            <a:r>
-              <a:rPr lang="it-IT" sz="2200" dirty="0">
-                <a:solidFill>
-                  <a:schemeClr val="tx1">
-                    <a:lumMod val="85000"/>
-                    <a:lumOff val="15000"/>
-                  </a:schemeClr>
-                </a:solidFill>
-                <a:effectLst>
-                  <a:outerShdw blurRad="38100" dist="38100" dir="2700000" algn="tl">
-                    <a:srgbClr val="000000">
-                      <a:alpha val="43137"/>
-                    </a:srgbClr>
-                  </a:outerShdw>
-                </a:effectLst>
-              </a:rPr>
-              <a:t>Tre link </a:t>
-            </a:r>
-            <a:r>
-              <a:rPr lang="it-IT" sz="2200" dirty="0">
-                <a:solidFill>
-                  <a:schemeClr val="tx1">
-                    <a:lumMod val="85000"/>
-                    <a:lumOff val="15000"/>
-                  </a:schemeClr>
-                </a:solidFill>
-              </a:rPr>
-              <a:t>(non implementati): Facebook, pulsante per condivisione e link per aggiornamenti</a:t>
-            </a:r>
-          </a:p>
-          <a:p>
-            <a:r>
-              <a:rPr lang="it-IT" sz="2200" dirty="0">
-                <a:solidFill>
-                  <a:schemeClr val="tx1">
-                    <a:lumMod val="85000"/>
-                    <a:lumOff val="15000"/>
-                  </a:schemeClr>
-                </a:solidFill>
-                <a:effectLst>
-                  <a:outerShdw blurRad="38100" dist="38100" dir="2700000" algn="tl">
-                    <a:srgbClr val="000000">
-                      <a:alpha val="43137"/>
-                    </a:srgbClr>
-                  </a:outerShdw>
-                </a:effectLst>
-              </a:rPr>
               <a:t>Box con biografia di Dante Alighieri </a:t>
             </a:r>
             <a:r>
@@ -12875,6 +12813,37 @@
             </a:r>
           </a:p>
           <a:p>
+            <a:r>
+              <a:rPr lang="it-IT" sz="2200" dirty="0">
+                <a:solidFill>
+                  <a:schemeClr val="tx1">
+                    <a:lumMod val="85000"/>
+                    <a:lumOff val="15000"/>
+                  </a:schemeClr>
+                </a:solidFill>
+                <a:effectLst>
+                  <a:outerShdw blurRad="38100" dist="38100" dir="2700000" algn="tl">
+                    <a:srgbClr val="000000">
+                      <a:alpha val="43137"/>
+                    </a:srgbClr>
+                  </a:outerShdw>
+                </a:effectLst>
+              </a:rPr>
+              <a:t>Tabella con i metadati </a:t>
+            </a:r>
+            <a:r>
+              <a:rPr lang="it-IT" sz="2200" dirty="0">
+                <a:solidFill>
+                  <a:schemeClr val="tx1">
+                    <a:lumMod val="85000"/>
+                    <a:lumOff val="15000"/>
+                  </a:schemeClr>
+                </a:solidFill>
+              </a:rPr>
+              <a:t>relativi alla Divina Commedia </a:t>
+            </a:r>
+          </a:p>
+          <a:p>
             <a:endParaRPr lang="it-IT" sz="2200" dirty="0">
               <a:solidFill>
                 <a:schemeClr val="tx1">
@@ -12883,6 +12852,37 @@
                 </a:schemeClr>
               </a:solidFill>
             </a:endParaRPr>
+          </a:p>
+          <a:p>
+            <a:r>
+              <a:rPr lang="it-IT" sz="2200" dirty="0">
+                <a:solidFill>
+                  <a:schemeClr val="tx1">
+                    <a:lumMod val="85000"/>
+                    <a:lumOff val="15000"/>
+                  </a:schemeClr>
+                </a:solidFill>
+                <a:effectLst>
+                  <a:outerShdw blurRad="38100" dist="38100" dir="2700000" algn="tl">
+                    <a:srgbClr val="000000">
+                      <a:alpha val="43137"/>
+                    </a:srgbClr>
+                  </a:outerShdw>
+                </a:effectLst>
+              </a:rPr>
+              <a:t>Tre link </a:t>
+            </a:r>
+            <a:r>
+              <a:rPr lang="it-IT" sz="2200" dirty="0">
+                <a:solidFill>
+                  <a:schemeClr val="tx1">
+                    <a:lumMod val="85000"/>
+                    <a:lumOff val="15000"/>
+                  </a:schemeClr>
+                </a:solidFill>
+              </a:rPr>
+              <a:t>(non implementati): Facebook, pulsante per condivisione e link per aggiornamenti</a:t>
+            </a:r>
           </a:p>
           <a:p>
             <a:pPr marL="0" indent="0">
@@ -16570,7 +16570,7 @@
           <p:cNvPr id="2" name="Titolo 1">
             <a:extLst>
               <a:ext uri="{FF2B5EF4-FFF2-40B4-BE49-F238E27FC236}">
-                <a16:creationId xmlns:a16="http://schemas.microsoft.com/office/drawing/2014/main" id="{74645650-587D-487E-9ADD-AD7C44599A2E}"/>
+                <a16:creationId xmlns:a16="http://schemas.microsoft.com/office/drawing/2014/main" id="{08271280-0210-42AE-ACA6-E6866ECF578B}"/>
               </a:ext>
             </a:extLst>
           </p:cNvPr>
@@ -16583,8 +16583,8 @@
         </p:nvSpPr>
         <p:spPr>
           <a:xfrm>
-            <a:off x="2224586" y="579403"/>
-            <a:ext cx="6783690" cy="323557"/>
+            <a:off x="1350498" y="443552"/>
+            <a:ext cx="8781303" cy="548638"/>
           </a:xfrm>
         </p:spPr>
         <p:txBody>
@@ -16603,7 +16603,7 @@
                   </a:schemeClr>
                 </a:solidFill>
               </a:rPr>
-              <a:t>Persona e Gallery</a:t>
+              <a:t>Canti</a:t>
             </a:r>
           </a:p>
         </p:txBody>
@@ -16613,7 +16613,7 @@
           <p:cNvPr id="3" name="Segnaposto contenuto 2">
             <a:extLst>
               <a:ext uri="{FF2B5EF4-FFF2-40B4-BE49-F238E27FC236}">
-                <a16:creationId xmlns:a16="http://schemas.microsoft.com/office/drawing/2014/main" id="{E9576056-6F4A-42A6-8A14-A8A8649192DF}"/>
+                <a16:creationId xmlns:a16="http://schemas.microsoft.com/office/drawing/2014/main" id="{2585A386-523C-40FB-B58C-87032C4ED03B}"/>
               </a:ext>
             </a:extLst>
           </p:cNvPr>
@@ -16626,24 +16626,21 @@
         </p:nvSpPr>
         <p:spPr>
           <a:xfrm>
-            <a:off x="436098" y="1025472"/>
-            <a:ext cx="11057206" cy="5241685"/>
+            <a:off x="560363" y="1723976"/>
+            <a:ext cx="11071273" cy="4818186"/>
           </a:xfrm>
         </p:spPr>
         <p:txBody>
           <a:bodyPr anchor="ctr">
-            <a:noAutofit/>
+            <a:normAutofit lnSpcReduction="10000"/>
           </a:bodyPr>
           <a:lstStyle/>
           <a:p>
             <a:pPr marL="0" indent="0">
-              <a:lnSpc>
-                <a:spcPct val="100000"/>
-              </a:lnSpc>
               <a:buNone/>
             </a:pPr>
             <a:r>
-              <a:rPr lang="it-IT" sz="2300" dirty="0">
+              <a:rPr lang="it-IT" sz="2400">
                 <a:solidFill>
                   <a:schemeClr val="tx1">
                     <a:lumMod val="85000"/>
@@ -16654,17 +16651,42 @@
                   <a:srgbClr val="FFFF00"/>
                 </a:highlight>
               </a:rPr>
-              <a:t>Persona.html</a:t>
+              <a:t>Canto I</a:t>
+            </a:r>
+            <a:r>
+              <a:rPr lang="it-IT" sz="2400" dirty="0">
+                <a:solidFill>
+                  <a:schemeClr val="tx1">
+                    <a:lumMod val="85000"/>
+                    <a:lumOff val="15000"/>
+                  </a:schemeClr>
+                </a:solidFill>
+                <a:highlight>
+                  <a:srgbClr val="FFFF00"/>
+                </a:highlight>
+              </a:rPr>
+              <a:t>, Canto VII e Canto XXI</a:t>
             </a:r>
           </a:p>
           <a:p>
-            <a:pPr>
-              <a:lnSpc>
-                <a:spcPct val="100000"/>
-              </a:lnSpc>
+            <a:pPr marL="0" indent="0">
+              <a:buNone/>
             </a:pPr>
+            <a:endParaRPr lang="it-IT" sz="2400" dirty="0">
+              <a:solidFill>
+                <a:schemeClr val="tx1">
+                  <a:lumMod val="85000"/>
+                  <a:lumOff val="15000"/>
+                </a:schemeClr>
+              </a:solidFill>
+              <a:highlight>
+                <a:srgbClr val="FFFF00"/>
+              </a:highlight>
+            </a:endParaRPr>
+          </a:p>
+          <a:p>
             <a:r>
-              <a:rPr lang="it-IT" sz="2300" dirty="0">
+              <a:rPr lang="it-IT" sz="2400" dirty="0">
                 <a:solidFill>
                   <a:schemeClr val="tx1">
                     <a:lumMod val="85000"/>
@@ -16679,10 +16701,10 @@
                   </a:outerShdw>
                 </a:effectLst>
               </a:rPr>
-              <a:t>Biografia dell’autore </a:t>
+              <a:t>Canto e </a:t>
             </a:r>
             <a:r>
-              <a:rPr lang="it-IT" sz="2300" dirty="0">
+              <a:rPr lang="it-IT" sz="2400" dirty="0">
                 <a:solidFill>
                   <a:schemeClr val="tx1">
                     <a:lumMod val="85000"/>
@@ -16690,17 +16712,10 @@
                   </a:schemeClr>
                 </a:solidFill>
               </a:rPr>
-              <a:t>con il link alle sue immagini nella galleria </a:t>
+              <a:t>link per la sua </a:t>
             </a:r>
-          </a:p>
-          <a:p>
-            <a:pPr>
-              <a:lnSpc>
-                <a:spcPct val="100000"/>
-              </a:lnSpc>
-            </a:pPr>
             <a:r>
-              <a:rPr lang="it-IT" sz="2300" dirty="0" err="1">
+              <a:rPr lang="it-IT" sz="2400" dirty="0">
                 <a:solidFill>
                   <a:schemeClr val="tx1">
                     <a:lumMod val="85000"/>
@@ -16715,87 +16730,12 @@
                   </a:outerShdw>
                 </a:effectLst>
               </a:rPr>
-              <a:t>Iframe</a:t>
-            </a:r>
-            <a:r>
-              <a:rPr lang="it-IT" sz="2300" dirty="0">
-                <a:solidFill>
-                  <a:schemeClr val="tx1">
-                    <a:lumMod val="85000"/>
-                    <a:lumOff val="15000"/>
-                  </a:schemeClr>
-                </a:solidFill>
-              </a:rPr>
-              <a:t> di siti web per approfondire ed ampliare la conoscenza dell’autore e delle sue opere (</a:t>
-            </a:r>
-            <a:r>
-              <a:rPr lang="it-IT" sz="2300" dirty="0" err="1">
-                <a:solidFill>
-                  <a:schemeClr val="tx1">
-                    <a:lumMod val="85000"/>
-                    <a:lumOff val="15000"/>
-                  </a:schemeClr>
-                </a:solidFill>
-              </a:rPr>
-              <a:t>Youtube</a:t>
-            </a:r>
-            <a:r>
-              <a:rPr lang="it-IT" sz="2300" dirty="0">
-                <a:solidFill>
-                  <a:schemeClr val="tx1">
-                    <a:lumMod val="85000"/>
-                    <a:lumOff val="15000"/>
-                  </a:schemeClr>
-                </a:solidFill>
-              </a:rPr>
-              <a:t> e Mondadori store)</a:t>
+              <a:t>parafrasi</a:t>
             </a:r>
           </a:p>
           <a:p>
-            <a:pPr>
-              <a:lnSpc>
-                <a:spcPct val="100000"/>
-              </a:lnSpc>
-            </a:pPr>
-            <a:endParaRPr lang="it-IT" sz="2300" dirty="0">
-              <a:solidFill>
-                <a:schemeClr val="tx1">
-                  <a:lumMod val="85000"/>
-                  <a:lumOff val="15000"/>
-                </a:schemeClr>
-              </a:solidFill>
-            </a:endParaRPr>
-          </a:p>
-          <a:p>
-            <a:pPr marL="0" indent="0">
-              <a:lnSpc>
-                <a:spcPct val="100000"/>
-              </a:lnSpc>
-              <a:buNone/>
-            </a:pPr>
             <a:r>
-              <a:rPr lang="it-IT" sz="2300" dirty="0">
-                <a:solidFill>
-                  <a:schemeClr val="tx1">
-                    <a:lumMod val="85000"/>
-                    <a:lumOff val="15000"/>
-                  </a:schemeClr>
-                </a:solidFill>
-                <a:highlight>
-                  <a:srgbClr val="FFFF00"/>
-                </a:highlight>
-              </a:rPr>
-              <a:t>Galleria </a:t>
-            </a:r>
-          </a:p>
-          <a:p>
-            <a:pPr>
-              <a:lnSpc>
-                <a:spcPct val="100000"/>
-              </a:lnSpc>
-            </a:pPr>
-            <a:r>
-              <a:rPr lang="it-IT" sz="2300" dirty="0">
+              <a:rPr lang="it-IT" sz="2400" dirty="0">
                 <a:solidFill>
                   <a:schemeClr val="tx1">
                     <a:lumMod val="85000"/>
@@ -16810,10 +16750,10 @@
                   </a:outerShdw>
                 </a:effectLst>
               </a:rPr>
-              <a:t>Tutte le immagini </a:t>
+              <a:t>Immagini relative al canto </a:t>
             </a:r>
             <a:r>
-              <a:rPr lang="it-IT" sz="2300" dirty="0">
+              <a:rPr lang="it-IT" sz="2400" dirty="0">
                 <a:solidFill>
                   <a:schemeClr val="tx1">
                     <a:lumMod val="85000"/>
@@ -16821,28 +16761,12 @@
                   </a:schemeClr>
                 </a:solidFill>
               </a:rPr>
-              <a:t>raccolte all’interno del sito</a:t>
+              <a:t>con descrizione e coordinate per le terzine corrispondenti</a:t>
             </a:r>
           </a:p>
           <a:p>
-            <a:pPr>
-              <a:lnSpc>
-                <a:spcPct val="100000"/>
-              </a:lnSpc>
-            </a:pPr>
             <a:r>
-              <a:rPr lang="it-IT" sz="2300" dirty="0">
-                <a:solidFill>
-                  <a:schemeClr val="tx1">
-                    <a:lumMod val="85000"/>
-                    <a:lumOff val="15000"/>
-                  </a:schemeClr>
-                </a:solidFill>
-              </a:rPr>
-              <a:t>Tre </a:t>
-            </a:r>
-            <a:r>
-              <a:rPr lang="it-IT" sz="2300" dirty="0">
+              <a:rPr lang="it-IT" sz="2400" dirty="0">
                 <a:solidFill>
                   <a:schemeClr val="tx1">
                     <a:lumMod val="85000"/>
@@ -16857,10 +16781,10 @@
                   </a:outerShdw>
                 </a:effectLst>
               </a:rPr>
-              <a:t>pulsanti relativi agli autori </a:t>
+              <a:t>Video lettura e analisi del canto </a:t>
             </a:r>
             <a:r>
-              <a:rPr lang="it-IT" sz="2300" dirty="0">
+              <a:rPr lang="it-IT" sz="2400" dirty="0">
                 <a:solidFill>
                   <a:schemeClr val="tx1">
                     <a:lumMod val="85000"/>
@@ -16868,17 +16792,23 @@
                   </a:schemeClr>
                 </a:solidFill>
               </a:rPr>
-              <a:t>per risalire immediatamente alle immagini corrispondenti</a:t>
+              <a:t>ad opera di Roberto Benigni (implementato solo nel canto I)</a:t>
             </a:r>
           </a:p>
           <a:p>
-            <a:pPr>
-              <a:lnSpc>
-                <a:spcPct val="100000"/>
-              </a:lnSpc>
-            </a:pPr>
             <a:r>
-              <a:rPr lang="it-IT" sz="2300" dirty="0">
+              <a:rPr lang="it-IT" sz="2400" dirty="0">
+                <a:solidFill>
+                  <a:schemeClr val="tx1">
+                    <a:lumMod val="85000"/>
+                    <a:lumOff val="15000"/>
+                  </a:schemeClr>
+                </a:solidFill>
+              </a:rPr>
+              <a:t>Da implementare il metodo di </a:t>
+            </a:r>
+            <a:r>
+              <a:rPr lang="it-IT" sz="2400" dirty="0">
                 <a:solidFill>
                   <a:schemeClr val="tx1">
                     <a:lumMod val="85000"/>
@@ -16893,10 +16823,22 @@
                   </a:outerShdw>
                 </a:effectLst>
               </a:rPr>
-              <a:t>Descrizione dell’immagine e link </a:t>
+              <a:t>browsing libero</a:t>
             </a:r>
+          </a:p>
+          <a:p>
+            <a:endParaRPr lang="it-IT" sz="2400" dirty="0">
+              <a:solidFill>
+                <a:schemeClr val="tx1">
+                  <a:lumMod val="85000"/>
+                  <a:lumOff val="15000"/>
+                </a:schemeClr>
+              </a:solidFill>
+            </a:endParaRPr>
+          </a:p>
+          <a:p>
             <a:r>
-              <a:rPr lang="it-IT" sz="2300" dirty="0">
+              <a:rPr lang="it-IT" sz="2400" dirty="0">
                 <a:solidFill>
                   <a:schemeClr val="tx1">
                     <a:lumMod val="85000"/>
@@ -16904,10 +16846,28 @@
                   </a:schemeClr>
                 </a:solidFill>
               </a:rPr>
-              <a:t>all’ingrandimento (attualmente implementato per due immagini, la prima di Blake e la prima di </a:t>
+              <a:t>Al di sotto della prima immagine del canto I è presente il link al </a:t>
             </a:r>
             <a:r>
-              <a:rPr lang="it-IT" sz="2300" dirty="0" err="1">
+              <a:rPr lang="it-IT" sz="2400" dirty="0">
+                <a:solidFill>
+                  <a:schemeClr val="tx1">
+                    <a:lumMod val="85000"/>
+                    <a:lumOff val="15000"/>
+                  </a:schemeClr>
+                </a:solidFill>
+                <a:effectLst>
+                  <a:outerShdw blurRad="38100" dist="38100" dir="2700000" algn="tl">
+                    <a:srgbClr val="000000">
+                      <a:alpha val="43137"/>
+                    </a:srgbClr>
+                  </a:outerShdw>
+                </a:effectLst>
+              </a:rPr>
+              <a:t>documento xml/dc </a:t>
+            </a:r>
+            <a:r>
+              <a:rPr lang="it-IT" sz="2400" dirty="0">
                 <a:solidFill>
                   <a:schemeClr val="tx1">
                     <a:lumMod val="85000"/>
@@ -16915,10 +16875,12 @@
                   </a:schemeClr>
                 </a:solidFill>
               </a:rPr>
-              <a:t>Doré</a:t>
+              <a:t>relativo.</a:t>
             </a:r>
+          </a:p>
+          <a:p>
             <a:r>
-              <a:rPr lang="it-IT" sz="2300" dirty="0">
+              <a:rPr lang="it-IT" sz="2400" dirty="0">
                 <a:solidFill>
                   <a:schemeClr val="tx1">
                     <a:lumMod val="85000"/>
@@ -16926,14 +16888,108 @@
                   </a:schemeClr>
                 </a:solidFill>
               </a:rPr>
-              <a:t>)</a:t>
+              <a:t>All’interno della pagina del canto VII è presente il link al </a:t>
+            </a:r>
+            <a:r>
+              <a:rPr lang="it-IT" sz="2400" dirty="0">
+                <a:solidFill>
+                  <a:schemeClr val="tx1">
+                    <a:lumMod val="85000"/>
+                    <a:lumOff val="15000"/>
+                  </a:schemeClr>
+                </a:solidFill>
+                <a:effectLst>
+                  <a:outerShdw blurRad="38100" dist="38100" dir="2700000" algn="tl">
+                    <a:srgbClr val="000000">
+                      <a:alpha val="43137"/>
+                    </a:srgbClr>
+                  </a:outerShdw>
+                </a:effectLst>
+              </a:rPr>
+              <a:t>documento xml/</a:t>
+            </a:r>
+            <a:r>
+              <a:rPr lang="it-IT" sz="2400" dirty="0" err="1">
+                <a:solidFill>
+                  <a:schemeClr val="tx1">
+                    <a:lumMod val="85000"/>
+                    <a:lumOff val="15000"/>
+                  </a:schemeClr>
+                </a:solidFill>
+                <a:effectLst>
+                  <a:outerShdw blurRad="38100" dist="38100" dir="2700000" algn="tl">
+                    <a:srgbClr val="000000">
+                      <a:alpha val="43137"/>
+                    </a:srgbClr>
+                  </a:outerShdw>
+                </a:effectLst>
+              </a:rPr>
+              <a:t>tei</a:t>
+            </a:r>
+            <a:r>
+              <a:rPr lang="it-IT" sz="2400" dirty="0">
+                <a:solidFill>
+                  <a:schemeClr val="tx1">
+                    <a:lumMod val="85000"/>
+                    <a:lumOff val="15000"/>
+                  </a:schemeClr>
+                </a:solidFill>
+                <a:effectLst>
+                  <a:outerShdw blurRad="38100" dist="38100" dir="2700000" algn="tl">
+                    <a:srgbClr val="000000">
+                      <a:alpha val="43137"/>
+                    </a:srgbClr>
+                  </a:outerShdw>
+                </a:effectLst>
+              </a:rPr>
+              <a:t> </a:t>
+            </a:r>
+            <a:r>
+              <a:rPr lang="it-IT" sz="2400" dirty="0">
+                <a:solidFill>
+                  <a:schemeClr val="tx1">
+                    <a:lumMod val="85000"/>
+                    <a:lumOff val="15000"/>
+                  </a:schemeClr>
+                </a:solidFill>
+              </a:rPr>
+              <a:t>riferito a questo.</a:t>
             </a:r>
           </a:p>
           <a:p>
             <a:pPr marL="0" indent="0">
               <a:buNone/>
             </a:pPr>
-            <a:endParaRPr lang="it-IT" sz="2100" dirty="0">
+            <a:endParaRPr lang="it-IT" sz="2300" dirty="0">
+              <a:solidFill>
+                <a:schemeClr val="tx1">
+                  <a:lumMod val="85000"/>
+                  <a:lumOff val="15000"/>
+                </a:schemeClr>
+              </a:solidFill>
+              <a:highlight>
+                <a:srgbClr val="FFFF00"/>
+              </a:highlight>
+            </a:endParaRPr>
+          </a:p>
+          <a:p>
+            <a:pPr marL="0" indent="0">
+              <a:buNone/>
+            </a:pPr>
+            <a:endParaRPr lang="it-IT" sz="2300" dirty="0">
+              <a:solidFill>
+                <a:schemeClr val="tx1">
+                  <a:lumMod val="85000"/>
+                  <a:lumOff val="15000"/>
+                </a:schemeClr>
+              </a:solidFill>
+              <a:highlight>
+                <a:srgbClr val="FFFF00"/>
+              </a:highlight>
+            </a:endParaRPr>
+          </a:p>
+          <a:p>
+            <a:endParaRPr lang="it-IT" sz="2300" dirty="0">
               <a:solidFill>
                 <a:schemeClr val="tx1">
                   <a:lumMod val="85000"/>
@@ -17992,7 +18048,7 @@
     </p:spTree>
     <p:extLst>
       <p:ext uri="{BB962C8B-B14F-4D97-AF65-F5344CB8AC3E}">
-        <p14:creationId xmlns:p14="http://schemas.microsoft.com/office/powerpoint/2010/main" val="2637078224"/>
+        <p14:creationId xmlns:p14="http://schemas.microsoft.com/office/powerpoint/2010/main" val="3713123714"/>
       </p:ext>
     </p:extLst>
   </p:cSld>
@@ -20459,7 +20515,7 @@
           <p:cNvPr id="2" name="Titolo 1">
             <a:extLst>
               <a:ext uri="{FF2B5EF4-FFF2-40B4-BE49-F238E27FC236}">
-                <a16:creationId xmlns:a16="http://schemas.microsoft.com/office/drawing/2014/main" id="{08271280-0210-42AE-ACA6-E6866ECF578B}"/>
+                <a16:creationId xmlns:a16="http://schemas.microsoft.com/office/drawing/2014/main" id="{74645650-587D-487E-9ADD-AD7C44599A2E}"/>
               </a:ext>
             </a:extLst>
           </p:cNvPr>
@@ -20472,8 +20528,8 @@
         </p:nvSpPr>
         <p:spPr>
           <a:xfrm>
-            <a:off x="1350498" y="443552"/>
-            <a:ext cx="8781303" cy="548638"/>
+            <a:off x="2224586" y="579403"/>
+            <a:ext cx="6783690" cy="323557"/>
           </a:xfrm>
         </p:spPr>
         <p:txBody>
@@ -20492,7 +20548,7 @@
                   </a:schemeClr>
                 </a:solidFill>
               </a:rPr>
-              <a:t>Canti</a:t>
+              <a:t>Persona e Gallery</a:t>
             </a:r>
           </a:p>
         </p:txBody>
@@ -20502,7 +20558,7 @@
           <p:cNvPr id="3" name="Segnaposto contenuto 2">
             <a:extLst>
               <a:ext uri="{FF2B5EF4-FFF2-40B4-BE49-F238E27FC236}">
-                <a16:creationId xmlns:a16="http://schemas.microsoft.com/office/drawing/2014/main" id="{2585A386-523C-40FB-B58C-87032C4ED03B}"/>
+                <a16:creationId xmlns:a16="http://schemas.microsoft.com/office/drawing/2014/main" id="{E9576056-6F4A-42A6-8A14-A8A8649192DF}"/>
               </a:ext>
             </a:extLst>
           </p:cNvPr>
@@ -20515,21 +20571,24 @@
         </p:nvSpPr>
         <p:spPr>
           <a:xfrm>
-            <a:off x="560363" y="1723976"/>
-            <a:ext cx="11071273" cy="4818186"/>
+            <a:off x="436098" y="1025472"/>
+            <a:ext cx="11057206" cy="5241685"/>
           </a:xfrm>
         </p:spPr>
         <p:txBody>
           <a:bodyPr anchor="ctr">
-            <a:normAutofit lnSpcReduction="10000"/>
+            <a:noAutofit/>
           </a:bodyPr>
           <a:lstStyle/>
           <a:p>
             <a:pPr marL="0" indent="0">
+              <a:lnSpc>
+                <a:spcPct val="100000"/>
+              </a:lnSpc>
               <a:buNone/>
             </a:pPr>
             <a:r>
-              <a:rPr lang="it-IT" sz="2400" dirty="0" err="1">
+              <a:rPr lang="it-IT" sz="2300" dirty="0">
                 <a:solidFill>
                   <a:schemeClr val="tx1">
                     <a:lumMod val="85000"/>
@@ -20540,42 +20599,17 @@
                   <a:srgbClr val="FFFF00"/>
                 </a:highlight>
               </a:rPr>
-              <a:t>CantoI</a:t>
-            </a:r>
-            <a:r>
-              <a:rPr lang="it-IT" sz="2400" dirty="0">
-                <a:solidFill>
-                  <a:schemeClr val="tx1">
-                    <a:lumMod val="85000"/>
-                    <a:lumOff val="15000"/>
-                  </a:schemeClr>
-                </a:solidFill>
-                <a:highlight>
-                  <a:srgbClr val="FFFF00"/>
-                </a:highlight>
-              </a:rPr>
-              <a:t>, Canto VII e Canto XXI</a:t>
+              <a:t>Persona.html</a:t>
             </a:r>
           </a:p>
           <a:p>
-            <a:pPr marL="0" indent="0">
-              <a:buNone/>
+            <a:pPr>
+              <a:lnSpc>
+                <a:spcPct val="100000"/>
+              </a:lnSpc>
             </a:pPr>
-            <a:endParaRPr lang="it-IT" sz="2400" dirty="0">
-              <a:solidFill>
-                <a:schemeClr val="tx1">
-                  <a:lumMod val="85000"/>
-                  <a:lumOff val="15000"/>
-                </a:schemeClr>
-              </a:solidFill>
-              <a:highlight>
-                <a:srgbClr val="FFFF00"/>
-              </a:highlight>
-            </a:endParaRPr>
-          </a:p>
-          <a:p>
             <a:r>
-              <a:rPr lang="it-IT" sz="2400" dirty="0">
+              <a:rPr lang="it-IT" sz="2300" dirty="0">
                 <a:solidFill>
                   <a:schemeClr val="tx1">
                     <a:lumMod val="85000"/>
@@ -20590,10 +20624,10 @@
                   </a:outerShdw>
                 </a:effectLst>
               </a:rPr>
-              <a:t>Canto e </a:t>
+              <a:t>Biografia dell’autore </a:t>
             </a:r>
             <a:r>
-              <a:rPr lang="it-IT" sz="2400" dirty="0">
+              <a:rPr lang="it-IT" sz="2300" dirty="0">
                 <a:solidFill>
                   <a:schemeClr val="tx1">
                     <a:lumMod val="85000"/>
@@ -20601,10 +20635,17 @@
                   </a:schemeClr>
                 </a:solidFill>
               </a:rPr>
-              <a:t>link per la sua </a:t>
+              <a:t>con il link alle sue immagini nella galleria </a:t>
             </a:r>
+          </a:p>
+          <a:p>
+            <a:pPr>
+              <a:lnSpc>
+                <a:spcPct val="100000"/>
+              </a:lnSpc>
+            </a:pPr>
             <a:r>
-              <a:rPr lang="it-IT" sz="2400" dirty="0">
+              <a:rPr lang="it-IT" sz="2300" dirty="0" err="1">
                 <a:solidFill>
                   <a:schemeClr val="tx1">
                     <a:lumMod val="85000"/>
@@ -20619,12 +20660,87 @@
                   </a:outerShdw>
                 </a:effectLst>
               </a:rPr>
-              <a:t>parafrasi</a:t>
+              <a:t>Iframe</a:t>
+            </a:r>
+            <a:r>
+              <a:rPr lang="it-IT" sz="2300" dirty="0">
+                <a:solidFill>
+                  <a:schemeClr val="tx1">
+                    <a:lumMod val="85000"/>
+                    <a:lumOff val="15000"/>
+                  </a:schemeClr>
+                </a:solidFill>
+              </a:rPr>
+              <a:t> di siti web per approfondire ed ampliare la conoscenza dell’autore e delle sue opere (</a:t>
+            </a:r>
+            <a:r>
+              <a:rPr lang="it-IT" sz="2300" dirty="0" err="1">
+                <a:solidFill>
+                  <a:schemeClr val="tx1">
+                    <a:lumMod val="85000"/>
+                    <a:lumOff val="15000"/>
+                  </a:schemeClr>
+                </a:solidFill>
+              </a:rPr>
+              <a:t>Youtube</a:t>
+            </a:r>
+            <a:r>
+              <a:rPr lang="it-IT" sz="2300" dirty="0">
+                <a:solidFill>
+                  <a:schemeClr val="tx1">
+                    <a:lumMod val="85000"/>
+                    <a:lumOff val="15000"/>
+                  </a:schemeClr>
+                </a:solidFill>
+              </a:rPr>
+              <a:t> e Mondadori store)</a:t>
             </a:r>
           </a:p>
           <a:p>
+            <a:pPr>
+              <a:lnSpc>
+                <a:spcPct val="100000"/>
+              </a:lnSpc>
+            </a:pPr>
+            <a:endParaRPr lang="it-IT" sz="2300" dirty="0">
+              <a:solidFill>
+                <a:schemeClr val="tx1">
+                  <a:lumMod val="85000"/>
+                  <a:lumOff val="15000"/>
+                </a:schemeClr>
+              </a:solidFill>
+            </a:endParaRPr>
+          </a:p>
+          <a:p>
+            <a:pPr marL="0" indent="0">
+              <a:lnSpc>
+                <a:spcPct val="100000"/>
+              </a:lnSpc>
+              <a:buNone/>
+            </a:pPr>
             <a:r>
-              <a:rPr lang="it-IT" sz="2400" dirty="0">
+              <a:rPr lang="it-IT" sz="2300" dirty="0">
+                <a:solidFill>
+                  <a:schemeClr val="tx1">
+                    <a:lumMod val="85000"/>
+                    <a:lumOff val="15000"/>
+                  </a:schemeClr>
+                </a:solidFill>
+                <a:highlight>
+                  <a:srgbClr val="FFFF00"/>
+                </a:highlight>
+              </a:rPr>
+              <a:t>Galleria </a:t>
+            </a:r>
+          </a:p>
+          <a:p>
+            <a:pPr>
+              <a:lnSpc>
+                <a:spcPct val="100000"/>
+              </a:lnSpc>
+            </a:pPr>
+            <a:r>
+              <a:rPr lang="it-IT" sz="2300" dirty="0">
                 <a:solidFill>
                   <a:schemeClr val="tx1">
                     <a:lumMod val="85000"/>
@@ -20639,10 +20755,10 @@
                   </a:outerShdw>
                 </a:effectLst>
               </a:rPr>
-              <a:t>Immagini relative al canto </a:t>
+              <a:t>Tutte le immagini </a:t>
             </a:r>
             <a:r>
-              <a:rPr lang="it-IT" sz="2400" dirty="0">
+              <a:rPr lang="it-IT" sz="2300" dirty="0">
                 <a:solidFill>
                   <a:schemeClr val="tx1">
                     <a:lumMod val="85000"/>
@@ -20650,12 +20766,28 @@
                   </a:schemeClr>
                 </a:solidFill>
               </a:rPr>
-              <a:t>con descrizione e coordinate per le terzine corrispondenti</a:t>
+              <a:t>raccolte all’interno del sito</a:t>
             </a:r>
           </a:p>
           <a:p>
+            <a:pPr>
+              <a:lnSpc>
+                <a:spcPct val="100000"/>
+              </a:lnSpc>
+            </a:pPr>
             <a:r>
-              <a:rPr lang="it-IT" sz="2400" dirty="0">
+              <a:rPr lang="it-IT" sz="2300" dirty="0">
+                <a:solidFill>
+                  <a:schemeClr val="tx1">
+                    <a:lumMod val="85000"/>
+                    <a:lumOff val="15000"/>
+                  </a:schemeClr>
+                </a:solidFill>
+              </a:rPr>
+              <a:t>Tre </a:t>
+            </a:r>
+            <a:r>
+              <a:rPr lang="it-IT" sz="2300" dirty="0">
                 <a:solidFill>
                   <a:schemeClr val="tx1">
                     <a:lumMod val="85000"/>
@@ -20670,10 +20802,10 @@
                   </a:outerShdw>
                 </a:effectLst>
               </a:rPr>
-              <a:t>Video lettura e analisi del canto </a:t>
+              <a:t>pulsanti relativi agli autori </a:t>
             </a:r>
             <a:r>
-              <a:rPr lang="it-IT" sz="2400" dirty="0">
+              <a:rPr lang="it-IT" sz="2300" dirty="0">
                 <a:solidFill>
                   <a:schemeClr val="tx1">
                     <a:lumMod val="85000"/>
@@ -20681,23 +20813,17 @@
                   </a:schemeClr>
                 </a:solidFill>
               </a:rPr>
-              <a:t>ad opera di Roberto Benigni (implementato solo nel canto I)</a:t>
+              <a:t>per risalire immediatamente alle immagini corrispondenti</a:t>
             </a:r>
           </a:p>
           <a:p>
+            <a:pPr>
+              <a:lnSpc>
+                <a:spcPct val="100000"/>
+              </a:lnSpc>
+            </a:pPr>
             <a:r>
-              <a:rPr lang="it-IT" sz="2400" dirty="0">
-                <a:solidFill>
-                  <a:schemeClr val="tx1">
-                    <a:lumMod val="85000"/>
-                    <a:lumOff val="15000"/>
-                  </a:schemeClr>
-                </a:solidFill>
-              </a:rPr>
-              <a:t>Da implementare il metodo di </a:t>
-            </a:r>
-            <a:r>
-              <a:rPr lang="it-IT" sz="2400" dirty="0">
+              <a:rPr lang="it-IT" sz="2300" dirty="0">
                 <a:solidFill>
                   <a:schemeClr val="tx1">
                     <a:lumMod val="85000"/>
@@ -20712,22 +20838,10 @@
                   </a:outerShdw>
                 </a:effectLst>
               </a:rPr>
-              <a:t>browsing libero</a:t>
+              <a:t>Descrizione dell’immagine e link </a:t>
             </a:r>
-          </a:p>
-          <a:p>
-            <a:endParaRPr lang="it-IT" sz="2400" dirty="0">
-              <a:solidFill>
-                <a:schemeClr val="tx1">
-                  <a:lumMod val="85000"/>
-                  <a:lumOff val="15000"/>
-                </a:schemeClr>
-              </a:solidFill>
-            </a:endParaRPr>
-          </a:p>
-          <a:p>
             <a:r>
-              <a:rPr lang="it-IT" sz="2400" dirty="0">
+              <a:rPr lang="it-IT" sz="2300" dirty="0">
                 <a:solidFill>
                   <a:schemeClr val="tx1">
                     <a:lumMod val="85000"/>
@@ -20735,28 +20849,10 @@
                   </a:schemeClr>
                 </a:solidFill>
               </a:rPr>
-              <a:t>Al di sotto della prima immagine del canto I è presente il link al </a:t>
+              <a:t>all’ingrandimento (attualmente implementato per due immagini, la prima di Blake e la prima di </a:t>
             </a:r>
             <a:r>
-              <a:rPr lang="it-IT" sz="2400" dirty="0">
-                <a:solidFill>
-                  <a:schemeClr val="tx1">
-                    <a:lumMod val="85000"/>
-                    <a:lumOff val="15000"/>
-                  </a:schemeClr>
-                </a:solidFill>
-                <a:effectLst>
-                  <a:outerShdw blurRad="38100" dist="38100" dir="2700000" algn="tl">
-                    <a:srgbClr val="000000">
-                      <a:alpha val="43137"/>
-                    </a:srgbClr>
-                  </a:outerShdw>
-                </a:effectLst>
-              </a:rPr>
-              <a:t>documento xml/dc </a:t>
-            </a:r>
-            <a:r>
-              <a:rPr lang="it-IT" sz="2400" dirty="0">
+              <a:rPr lang="it-IT" sz="2300" dirty="0" err="1">
                 <a:solidFill>
                   <a:schemeClr val="tx1">
                     <a:lumMod val="85000"/>
@@ -20764,12 +20860,10 @@
                   </a:schemeClr>
                 </a:solidFill>
               </a:rPr>
-              <a:t>relativo.</a:t>
+              <a:t>Doré</a:t>
             </a:r>
-          </a:p>
-          <a:p>
             <a:r>
-              <a:rPr lang="it-IT" sz="2400" dirty="0">
+              <a:rPr lang="it-IT" sz="2300" dirty="0">
                 <a:solidFill>
                   <a:schemeClr val="tx1">
                     <a:lumMod val="85000"/>
@@ -20777,108 +20871,14 @@
                   </a:schemeClr>
                 </a:solidFill>
               </a:rPr>
-              <a:t>All’interno della pagina del canto VII è presente il link al </a:t>
-            </a:r>
-            <a:r>
-              <a:rPr lang="it-IT" sz="2400" dirty="0">
-                <a:solidFill>
-                  <a:schemeClr val="tx1">
-                    <a:lumMod val="85000"/>
-                    <a:lumOff val="15000"/>
-                  </a:schemeClr>
-                </a:solidFill>
-                <a:effectLst>
-                  <a:outerShdw blurRad="38100" dist="38100" dir="2700000" algn="tl">
-                    <a:srgbClr val="000000">
-                      <a:alpha val="43137"/>
-                    </a:srgbClr>
-                  </a:outerShdw>
-                </a:effectLst>
-              </a:rPr>
-              <a:t>documento xml/</a:t>
-            </a:r>
-            <a:r>
-              <a:rPr lang="it-IT" sz="2400" dirty="0" err="1">
-                <a:solidFill>
-                  <a:schemeClr val="tx1">
-                    <a:lumMod val="85000"/>
-                    <a:lumOff val="15000"/>
-                  </a:schemeClr>
-                </a:solidFill>
-                <a:effectLst>
-                  <a:outerShdw blurRad="38100" dist="38100" dir="2700000" algn="tl">
-                    <a:srgbClr val="000000">
-                      <a:alpha val="43137"/>
-                    </a:srgbClr>
-                  </a:outerShdw>
-                </a:effectLst>
-              </a:rPr>
-              <a:t>tei</a:t>
-            </a:r>
-            <a:r>
-              <a:rPr lang="it-IT" sz="2400" dirty="0">
-                <a:solidFill>
-                  <a:schemeClr val="tx1">
-                    <a:lumMod val="85000"/>
-                    <a:lumOff val="15000"/>
-                  </a:schemeClr>
-                </a:solidFill>
-                <a:effectLst>
-                  <a:outerShdw blurRad="38100" dist="38100" dir="2700000" algn="tl">
-                    <a:srgbClr val="000000">
-                      <a:alpha val="43137"/>
-                    </a:srgbClr>
-                  </a:outerShdw>
-                </a:effectLst>
-              </a:rPr>
-              <a:t> </a:t>
-            </a:r>
-            <a:r>
-              <a:rPr lang="it-IT" sz="2400" dirty="0">
-                <a:solidFill>
-                  <a:schemeClr val="tx1">
-                    <a:lumMod val="85000"/>
-                    <a:lumOff val="15000"/>
-                  </a:schemeClr>
-                </a:solidFill>
-              </a:rPr>
-              <a:t>riferito a questo.</a:t>
+              <a:t>)</a:t>
             </a:r>
           </a:p>
           <a:p>
             <a:pPr marL="0" indent="0">
               <a:buNone/>
             </a:pPr>
-            <a:endParaRPr lang="it-IT" sz="2300" dirty="0">
-              <a:solidFill>
-                <a:schemeClr val="tx1">
-                  <a:lumMod val="85000"/>
-                  <a:lumOff val="15000"/>
-                </a:schemeClr>
-              </a:solidFill>
-              <a:highlight>
-                <a:srgbClr val="FFFF00"/>
-              </a:highlight>
-            </a:endParaRPr>
-          </a:p>
-          <a:p>
-            <a:pPr marL="0" indent="0">
-              <a:buNone/>
-            </a:pPr>
-            <a:endParaRPr lang="it-IT" sz="2300" dirty="0">
-              <a:solidFill>
-                <a:schemeClr val="tx1">
-                  <a:lumMod val="85000"/>
-                  <a:lumOff val="15000"/>
-                </a:schemeClr>
-              </a:solidFill>
-              <a:highlight>
-                <a:srgbClr val="FFFF00"/>
-              </a:highlight>
-            </a:endParaRPr>
-          </a:p>
-          <a:p>
-            <a:endParaRPr lang="it-IT" sz="2300" dirty="0">
+            <a:endParaRPr lang="it-IT" sz="2100" dirty="0">
               <a:solidFill>
                 <a:schemeClr val="tx1">
                   <a:lumMod val="85000"/>
@@ -21937,7 +21937,7 @@
     </p:spTree>
     <p:extLst>
       <p:ext uri="{BB962C8B-B14F-4D97-AF65-F5344CB8AC3E}">
-        <p14:creationId xmlns:p14="http://schemas.microsoft.com/office/powerpoint/2010/main" val="3713123714"/>
+        <p14:creationId xmlns:p14="http://schemas.microsoft.com/office/powerpoint/2010/main" val="2637078224"/>
       </p:ext>
     </p:extLst>
   </p:cSld>
